--- a/03. Python, Django/실습/test/발표형식 제안.pptx
+++ b/03. Python, Django/실습/test/발표형식 제안.pptx
@@ -3174,15 +3174,11 @@
             </a:r>
             <a:r>
               <a:rPr lang="ko-KR" altLang="en-US" dirty="0" smtClean="0"/>
-              <a:t>서비스 특성상 테이블상의 밀접한 </a:t>
-            </a:r>
-            <a:r>
-              <a:rPr lang="ko-KR" altLang="en-US" dirty="0" err="1" smtClean="0"/>
-              <a:t>관계로인해</a:t>
+              <a:t>서비스 특성상 </a:t>
             </a:r>
             <a:r>
               <a:rPr lang="ko-KR" altLang="en-US" dirty="0" smtClean="0"/>
-              <a:t> </a:t>
+              <a:t>테이블들 상호간의 복잡한 관계로 인해 </a:t>
             </a:r>
             <a:r>
               <a:rPr lang="en-US" altLang="ko-KR" dirty="0" smtClean="0"/>
@@ -3713,14 +3709,7 @@
                 <a:latin typeface="+mj-ea"/>
                 <a:ea typeface="+mj-ea"/>
               </a:rPr>
-              <a:t>기획 </a:t>
-            </a:r>
-            <a:r>
-              <a:rPr lang="ko-KR" altLang="en-US" dirty="0" smtClean="0">
-                <a:latin typeface="+mj-ea"/>
-                <a:ea typeface="+mj-ea"/>
-              </a:rPr>
-              <a:t>동기</a:t>
+              <a:t>기획 동기</a:t>
             </a:r>
             <a:endParaRPr lang="en-US" altLang="ko-KR" dirty="0" smtClean="0">
               <a:latin typeface="+mj-ea"/>
@@ -3807,14 +3796,7 @@
                 <a:latin typeface="+mj-ea"/>
                 <a:ea typeface="+mj-ea"/>
               </a:rPr>
-              <a:t>UI </a:t>
-            </a:r>
-            <a:r>
-              <a:rPr lang="en-US" altLang="ko-KR" dirty="0" smtClean="0">
-                <a:latin typeface="+mj-ea"/>
-                <a:ea typeface="+mj-ea"/>
-              </a:rPr>
-              <a:t>(draft)</a:t>
+              <a:t>UI (draft)</a:t>
             </a:r>
           </a:p>
           <a:p>
@@ -3886,14 +3868,7 @@
                 <a:latin typeface="+mj-ea"/>
                 <a:ea typeface="+mj-ea"/>
               </a:rPr>
-              <a:t>업무 분장 </a:t>
-            </a:r>
-            <a:r>
-              <a:rPr lang="ko-KR" altLang="en-US" dirty="0" smtClean="0">
-                <a:latin typeface="+mj-ea"/>
-                <a:ea typeface="+mj-ea"/>
-              </a:rPr>
-              <a:t>계획</a:t>
+              <a:t>업무 분장 계획</a:t>
             </a:r>
             <a:endParaRPr lang="ko-KR" altLang="en-US" dirty="0">
               <a:latin typeface="+mj-ea"/>
@@ -4995,7 +4970,15 @@
             </a:pPr>
             <a:r>
               <a:rPr lang="ko-KR" altLang="en-US" dirty="0" smtClean="0"/>
-              <a:t>자신만의 디지털 옷장을 서비스를 구현</a:t>
+              <a:t>자신만의 디지털 </a:t>
+            </a:r>
+            <a:r>
+              <a:rPr lang="ko-KR" altLang="en-US" dirty="0" smtClean="0"/>
+              <a:t>옷장 </a:t>
+            </a:r>
+            <a:r>
+              <a:rPr lang="ko-KR" altLang="en-US" dirty="0" smtClean="0"/>
+              <a:t>서비스를 구현</a:t>
             </a:r>
             <a:endParaRPr lang="en-US" altLang="ko-KR" dirty="0" smtClean="0"/>
           </a:p>
@@ -5017,7 +5000,15 @@
             </a:pPr>
             <a:r>
               <a:rPr lang="ko-KR" altLang="en-US" dirty="0" smtClean="0"/>
-              <a:t>다른 사람들 과의 비교 제공</a:t>
+              <a:t>다른 </a:t>
+            </a:r>
+            <a:r>
+              <a:rPr lang="ko-KR" altLang="en-US" dirty="0" smtClean="0"/>
+              <a:t>사람들과의 </a:t>
+            </a:r>
+            <a:r>
+              <a:rPr lang="ko-KR" altLang="en-US" dirty="0" smtClean="0"/>
+              <a:t>비교 제공</a:t>
             </a:r>
             <a:endParaRPr lang="ko-KR" altLang="en-US" dirty="0"/>
           </a:p>
@@ -5028,7 +5019,7 @@
           <p:cNvPr id="9" name="그룹 8">
             <a:extLst>
               <a:ext uri="{FF2B5EF4-FFF2-40B4-BE49-F238E27FC236}">
-                <a16:creationId xmlns="" xmlns:a16="http://schemas.microsoft.com/office/drawing/2014/main" id="{DDF7F92A-01B5-4D9F-B210-9E35A8143806}"/>
+                <a16:creationId xmlns:a16="http://schemas.microsoft.com/office/drawing/2014/main" xmlns="" id="{DDF7F92A-01B5-4D9F-B210-9E35A8143806}"/>
               </a:ext>
             </a:extLst>
           </p:cNvPr>
@@ -5053,7 +5044,7 @@
             <p:cNvPr id="11" name="그래픽 12" descr="옷">
               <a:extLst>
                 <a:ext uri="{FF2B5EF4-FFF2-40B4-BE49-F238E27FC236}">
-                  <a16:creationId xmlns="" xmlns:a16="http://schemas.microsoft.com/office/drawing/2014/main" id="{460322C4-76AB-4F75-B3BF-4C7A6938113A}"/>
+                  <a16:creationId xmlns:a16="http://schemas.microsoft.com/office/drawing/2014/main" xmlns="" id="{460322C4-76AB-4F75-B3BF-4C7A6938113A}"/>
                 </a:ext>
               </a:extLst>
             </p:cNvPr>
@@ -5069,7 +5060,7 @@
                   <a14:useLocalDpi xmlns:a14="http://schemas.microsoft.com/office/drawing/2010/main" val="0"/>
                 </a:ext>
                 <a:ext uri="{96DAC541-7B7A-43D3-8B79-37D633B846F1}">
-                  <asvg:svgBlip xmlns="" xmlns:asvg="http://schemas.microsoft.com/office/drawing/2016/SVG/main" r:embed="rId11"/>
+                  <asvg:svgBlip xmlns:asvg="http://schemas.microsoft.com/office/drawing/2016/SVG/main" xmlns="" r:embed="rId11"/>
                 </a:ext>
               </a:extLst>
             </a:blip>
@@ -5093,7 +5084,7 @@
             <p:cNvPr id="12" name="그룹 11">
               <a:extLst>
                 <a:ext uri="{FF2B5EF4-FFF2-40B4-BE49-F238E27FC236}">
-                  <a16:creationId xmlns="" xmlns:a16="http://schemas.microsoft.com/office/drawing/2014/main" id="{7ADF6EA8-6185-404F-A2D4-8D4117561A26}"/>
+                  <a16:creationId xmlns:a16="http://schemas.microsoft.com/office/drawing/2014/main" xmlns="" id="{7ADF6EA8-6185-404F-A2D4-8D4117561A26}"/>
                 </a:ext>
               </a:extLst>
             </p:cNvPr>
@@ -5114,7 +5105,7 @@
               <p:cNvPr id="13" name="그래픽 8" descr="긴 소매 셔츠">
                 <a:extLst>
                   <a:ext uri="{FF2B5EF4-FFF2-40B4-BE49-F238E27FC236}">
-                    <a16:creationId xmlns="" xmlns:a16="http://schemas.microsoft.com/office/drawing/2014/main" id="{54BA4EAC-B09E-4A4A-8878-F05FD41B438A}"/>
+                    <a16:creationId xmlns:a16="http://schemas.microsoft.com/office/drawing/2014/main" xmlns="" id="{54BA4EAC-B09E-4A4A-8878-F05FD41B438A}"/>
                   </a:ext>
                 </a:extLst>
               </p:cNvPr>
@@ -5130,7 +5121,7 @@
                     <a14:useLocalDpi xmlns:a14="http://schemas.microsoft.com/office/drawing/2010/main" val="0"/>
                   </a:ext>
                   <a:ext uri="{96DAC541-7B7A-43D3-8B79-37D633B846F1}">
-                    <asvg:svgBlip xmlns="" xmlns:asvg="http://schemas.microsoft.com/office/drawing/2016/SVG/main" r:embed="rId13"/>
+                    <asvg:svgBlip xmlns:asvg="http://schemas.microsoft.com/office/drawing/2016/SVG/main" xmlns="" r:embed="rId13"/>
                   </a:ext>
                 </a:extLst>
               </a:blip>
@@ -5154,7 +5145,7 @@
               <p:cNvPr id="14" name="그래픽 32" descr="야구 모자">
                 <a:extLst>
                   <a:ext uri="{FF2B5EF4-FFF2-40B4-BE49-F238E27FC236}">
-                    <a16:creationId xmlns="" xmlns:a16="http://schemas.microsoft.com/office/drawing/2014/main" id="{C6CD2E4F-DBA7-402B-BA73-0AE2F709CB1F}"/>
+                    <a16:creationId xmlns:a16="http://schemas.microsoft.com/office/drawing/2014/main" xmlns="" id="{C6CD2E4F-DBA7-402B-BA73-0AE2F709CB1F}"/>
                   </a:ext>
                 </a:extLst>
               </p:cNvPr>
@@ -5170,7 +5161,7 @@
                     <a14:useLocalDpi xmlns:a14="http://schemas.microsoft.com/office/drawing/2010/main" val="0"/>
                   </a:ext>
                   <a:ext uri="{96DAC541-7B7A-43D3-8B79-37D633B846F1}">
-                    <asvg:svgBlip xmlns="" xmlns:asvg="http://schemas.microsoft.com/office/drawing/2016/SVG/main" r:embed="rId15"/>
+                    <asvg:svgBlip xmlns:asvg="http://schemas.microsoft.com/office/drawing/2016/SVG/main" xmlns="" r:embed="rId15"/>
                   </a:ext>
                 </a:extLst>
               </a:blip>
@@ -5194,7 +5185,7 @@
               <p:cNvPr id="15" name="그룹 14">
                 <a:extLst>
                   <a:ext uri="{FF2B5EF4-FFF2-40B4-BE49-F238E27FC236}">
-                    <a16:creationId xmlns="" xmlns:a16="http://schemas.microsoft.com/office/drawing/2014/main" id="{FDA54AA7-DA4B-4A6D-8519-034337D6C96B}"/>
+                    <a16:creationId xmlns:a16="http://schemas.microsoft.com/office/drawing/2014/main" xmlns="" id="{FDA54AA7-DA4B-4A6D-8519-034337D6C96B}"/>
                   </a:ext>
                 </a:extLst>
               </p:cNvPr>
@@ -5215,7 +5206,7 @@
                 <p:cNvPr id="16" name="그룹 15">
                   <a:extLst>
                     <a:ext uri="{FF2B5EF4-FFF2-40B4-BE49-F238E27FC236}">
-                      <a16:creationId xmlns="" xmlns:a16="http://schemas.microsoft.com/office/drawing/2014/main" id="{A832CABF-3B42-41AC-A445-AD1168DBA907}"/>
+                      <a16:creationId xmlns:a16="http://schemas.microsoft.com/office/drawing/2014/main" xmlns="" id="{A832CABF-3B42-41AC-A445-AD1168DBA907}"/>
                     </a:ext>
                   </a:extLst>
                 </p:cNvPr>
@@ -5236,7 +5227,7 @@
                   <p:cNvPr id="18" name="그래픽 14" descr="슈트">
                     <a:extLst>
                       <a:ext uri="{FF2B5EF4-FFF2-40B4-BE49-F238E27FC236}">
-                        <a16:creationId xmlns="" xmlns:a16="http://schemas.microsoft.com/office/drawing/2014/main" id="{3C38CDA0-8BC2-4F88-8239-2D239CA95457}"/>
+                        <a16:creationId xmlns:a16="http://schemas.microsoft.com/office/drawing/2014/main" xmlns="" id="{3C38CDA0-8BC2-4F88-8239-2D239CA95457}"/>
                       </a:ext>
                     </a:extLst>
                   </p:cNvPr>
@@ -5252,7 +5243,7 @@
                         <a14:useLocalDpi xmlns:a14="http://schemas.microsoft.com/office/drawing/2010/main" val="0"/>
                       </a:ext>
                       <a:ext uri="{96DAC541-7B7A-43D3-8B79-37D633B846F1}">
-                        <asvg:svgBlip xmlns="" xmlns:asvg="http://schemas.microsoft.com/office/drawing/2016/SVG/main" r:embed="rId17"/>
+                        <asvg:svgBlip xmlns:asvg="http://schemas.microsoft.com/office/drawing/2016/SVG/main" xmlns="" r:embed="rId17"/>
                       </a:ext>
                     </a:extLst>
                   </a:blip>
@@ -5276,7 +5267,7 @@
                   <p:cNvPr id="19" name="그룹 18">
                     <a:extLst>
                       <a:ext uri="{FF2B5EF4-FFF2-40B4-BE49-F238E27FC236}">
-                        <a16:creationId xmlns="" xmlns:a16="http://schemas.microsoft.com/office/drawing/2014/main" id="{D094789B-9ABE-4E22-A067-D4B9554ACDF1}"/>
+                        <a16:creationId xmlns:a16="http://schemas.microsoft.com/office/drawing/2014/main" xmlns="" id="{D094789B-9ABE-4E22-A067-D4B9554ACDF1}"/>
                       </a:ext>
                     </a:extLst>
                   </p:cNvPr>
@@ -5297,7 +5288,7 @@
                     <p:cNvPr id="20" name="그래픽 6" descr="바지">
                       <a:extLst>
                         <a:ext uri="{FF2B5EF4-FFF2-40B4-BE49-F238E27FC236}">
-                          <a16:creationId xmlns="" xmlns:a16="http://schemas.microsoft.com/office/drawing/2014/main" id="{7D949189-1BAD-472D-91F1-8025B2E33B0B}"/>
+                          <a16:creationId xmlns:a16="http://schemas.microsoft.com/office/drawing/2014/main" xmlns="" id="{7D949189-1BAD-472D-91F1-8025B2E33B0B}"/>
                         </a:ext>
                       </a:extLst>
                     </p:cNvPr>
@@ -5313,7 +5304,7 @@
                           <a14:useLocalDpi xmlns:a14="http://schemas.microsoft.com/office/drawing/2010/main" val="0"/>
                         </a:ext>
                         <a:ext uri="{96DAC541-7B7A-43D3-8B79-37D633B846F1}">
-                          <asvg:svgBlip xmlns="" xmlns:asvg="http://schemas.microsoft.com/office/drawing/2016/SVG/main" r:embed="rId19"/>
+                          <asvg:svgBlip xmlns:asvg="http://schemas.microsoft.com/office/drawing/2016/SVG/main" xmlns="" r:embed="rId19"/>
                         </a:ext>
                       </a:extLst>
                     </a:blip>
@@ -5337,7 +5328,7 @@
                     <p:cNvPr id="21" name="그룹 20">
                       <a:extLst>
                         <a:ext uri="{FF2B5EF4-FFF2-40B4-BE49-F238E27FC236}">
-                          <a16:creationId xmlns="" xmlns:a16="http://schemas.microsoft.com/office/drawing/2014/main" id="{5BA3B501-DE46-44E3-B6A8-3473E529A4E9}"/>
+                          <a16:creationId xmlns:a16="http://schemas.microsoft.com/office/drawing/2014/main" xmlns="" id="{5BA3B501-DE46-44E3-B6A8-3473E529A4E9}"/>
                         </a:ext>
                       </a:extLst>
                     </p:cNvPr>
@@ -5358,7 +5349,7 @@
                       <p:cNvPr id="22" name="그래픽 22" descr="장화">
                         <a:extLst>
                           <a:ext uri="{FF2B5EF4-FFF2-40B4-BE49-F238E27FC236}">
-                            <a16:creationId xmlns="" xmlns:a16="http://schemas.microsoft.com/office/drawing/2014/main" id="{6AFD82AA-B93C-4801-B62D-97CAA2176771}"/>
+                            <a16:creationId xmlns:a16="http://schemas.microsoft.com/office/drawing/2014/main" xmlns="" id="{6AFD82AA-B93C-4801-B62D-97CAA2176771}"/>
                           </a:ext>
                         </a:extLst>
                       </p:cNvPr>
@@ -5374,7 +5365,7 @@
                             <a14:useLocalDpi xmlns:a14="http://schemas.microsoft.com/office/drawing/2010/main" val="0"/>
                           </a:ext>
                           <a:ext uri="{96DAC541-7B7A-43D3-8B79-37D633B846F1}">
-                            <asvg:svgBlip xmlns="" xmlns:asvg="http://schemas.microsoft.com/office/drawing/2016/SVG/main" r:embed="rId21"/>
+                            <asvg:svgBlip xmlns:asvg="http://schemas.microsoft.com/office/drawing/2016/SVG/main" xmlns="" r:embed="rId21"/>
                           </a:ext>
                         </a:extLst>
                       </a:blip>
@@ -5398,7 +5389,7 @@
                       <p:cNvPr id="23" name="그룹 22">
                         <a:extLst>
                           <a:ext uri="{FF2B5EF4-FFF2-40B4-BE49-F238E27FC236}">
-                            <a16:creationId xmlns="" xmlns:a16="http://schemas.microsoft.com/office/drawing/2014/main" id="{2E9F8D27-A4DE-459B-8130-77425577FD31}"/>
+                            <a16:creationId xmlns:a16="http://schemas.microsoft.com/office/drawing/2014/main" xmlns="" id="{2E9F8D27-A4DE-459B-8130-77425577FD31}"/>
                           </a:ext>
                         </a:extLst>
                       </p:cNvPr>
@@ -5419,7 +5410,7 @@
                         <p:cNvPr id="24" name="그룹 23">
                           <a:extLst>
                             <a:ext uri="{FF2B5EF4-FFF2-40B4-BE49-F238E27FC236}">
-                              <a16:creationId xmlns="" xmlns:a16="http://schemas.microsoft.com/office/drawing/2014/main" id="{3856F640-4CEB-4962-9620-5AE47C921CDA}"/>
+                              <a16:creationId xmlns:a16="http://schemas.microsoft.com/office/drawing/2014/main" xmlns="" id="{3856F640-4CEB-4962-9620-5AE47C921CDA}"/>
                             </a:ext>
                           </a:extLst>
                         </p:cNvPr>
@@ -5440,7 +5431,7 @@
                           <p:cNvPr id="30" name="그래픽 16" descr="넥타이">
                             <a:extLst>
                               <a:ext uri="{FF2B5EF4-FFF2-40B4-BE49-F238E27FC236}">
-                                <a16:creationId xmlns="" xmlns:a16="http://schemas.microsoft.com/office/drawing/2014/main" id="{48FA9CAF-DF21-4376-A39B-27140C589220}"/>
+                                <a16:creationId xmlns:a16="http://schemas.microsoft.com/office/drawing/2014/main" xmlns="" id="{48FA9CAF-DF21-4376-A39B-27140C589220}"/>
                               </a:ext>
                             </a:extLst>
                           </p:cNvPr>
@@ -5456,7 +5447,7 @@
                                 <a14:useLocalDpi xmlns:a14="http://schemas.microsoft.com/office/drawing/2010/main" val="0"/>
                               </a:ext>
                               <a:ext uri="{96DAC541-7B7A-43D3-8B79-37D633B846F1}">
-                                <asvg:svgBlip xmlns="" xmlns:asvg="http://schemas.microsoft.com/office/drawing/2016/SVG/main" r:embed="rId23"/>
+                                <asvg:svgBlip xmlns:asvg="http://schemas.microsoft.com/office/drawing/2016/SVG/main" xmlns="" r:embed="rId23"/>
                               </a:ext>
                             </a:extLst>
                           </a:blip>
@@ -5480,7 +5471,7 @@
                           <p:cNvPr id="31" name="그래픽 34" descr="털모자">
                             <a:extLst>
                               <a:ext uri="{FF2B5EF4-FFF2-40B4-BE49-F238E27FC236}">
-                                <a16:creationId xmlns="" xmlns:a16="http://schemas.microsoft.com/office/drawing/2014/main" id="{0E98C25F-8ED6-449F-AA54-63A509004664}"/>
+                                <a16:creationId xmlns:a16="http://schemas.microsoft.com/office/drawing/2014/main" xmlns="" id="{0E98C25F-8ED6-449F-AA54-63A509004664}"/>
                               </a:ext>
                             </a:extLst>
                           </p:cNvPr>
@@ -5496,7 +5487,7 @@
                                 <a14:useLocalDpi xmlns:a14="http://schemas.microsoft.com/office/drawing/2010/main" val="0"/>
                               </a:ext>
                               <a:ext uri="{96DAC541-7B7A-43D3-8B79-37D633B846F1}">
-                                <asvg:svgBlip xmlns="" xmlns:asvg="http://schemas.microsoft.com/office/drawing/2016/SVG/main" r:embed="rId25"/>
+                                <asvg:svgBlip xmlns:asvg="http://schemas.microsoft.com/office/drawing/2016/SVG/main" xmlns="" r:embed="rId25"/>
                               </a:ext>
                             </a:extLst>
                           </a:blip>
@@ -5521,7 +5512,7 @@
                         <p:cNvPr id="25" name="그룹 24">
                           <a:extLst>
                             <a:ext uri="{FF2B5EF4-FFF2-40B4-BE49-F238E27FC236}">
-                              <a16:creationId xmlns="" xmlns:a16="http://schemas.microsoft.com/office/drawing/2014/main" id="{B07CF964-4C97-46EA-9222-D6A1B6CC1024}"/>
+                              <a16:creationId xmlns:a16="http://schemas.microsoft.com/office/drawing/2014/main" xmlns="" id="{B07CF964-4C97-46EA-9222-D6A1B6CC1024}"/>
                             </a:ext>
                           </a:extLst>
                         </p:cNvPr>
@@ -5542,7 +5533,7 @@
                           <p:cNvPr id="26" name="그래픽 18" descr="신발">
                             <a:extLst>
                               <a:ext uri="{FF2B5EF4-FFF2-40B4-BE49-F238E27FC236}">
-                                <a16:creationId xmlns="" xmlns:a16="http://schemas.microsoft.com/office/drawing/2014/main" id="{3871511A-D093-4B1D-9FB3-0665C1D6FFCC}"/>
+                                <a16:creationId xmlns:a16="http://schemas.microsoft.com/office/drawing/2014/main" xmlns="" id="{3871511A-D093-4B1D-9FB3-0665C1D6FFCC}"/>
                               </a:ext>
                             </a:extLst>
                           </p:cNvPr>
@@ -5558,7 +5549,7 @@
                                 <a14:useLocalDpi xmlns:a14="http://schemas.microsoft.com/office/drawing/2010/main" val="0"/>
                               </a:ext>
                               <a:ext uri="{96DAC541-7B7A-43D3-8B79-37D633B846F1}">
-                                <asvg:svgBlip xmlns="" xmlns:asvg="http://schemas.microsoft.com/office/drawing/2016/SVG/main" r:embed="rId27"/>
+                                <asvg:svgBlip xmlns:asvg="http://schemas.microsoft.com/office/drawing/2016/SVG/main" xmlns="" r:embed="rId27"/>
                               </a:ext>
                             </a:extLst>
                           </a:blip>
@@ -5582,7 +5573,7 @@
                           <p:cNvPr id="27" name="그래픽 26" descr="짧은 양말">
                             <a:extLst>
                               <a:ext uri="{FF2B5EF4-FFF2-40B4-BE49-F238E27FC236}">
-                                <a16:creationId xmlns="" xmlns:a16="http://schemas.microsoft.com/office/drawing/2014/main" id="{53E4E67D-D683-4AD6-9900-E2C13985BA41}"/>
+                                <a16:creationId xmlns:a16="http://schemas.microsoft.com/office/drawing/2014/main" xmlns="" id="{53E4E67D-D683-4AD6-9900-E2C13985BA41}"/>
                               </a:ext>
                             </a:extLst>
                           </p:cNvPr>
@@ -5598,7 +5589,7 @@
                                 <a14:useLocalDpi xmlns:a14="http://schemas.microsoft.com/office/drawing/2010/main" val="0"/>
                               </a:ext>
                               <a:ext uri="{96DAC541-7B7A-43D3-8B79-37D633B846F1}">
-                                <asvg:svgBlip xmlns="" xmlns:asvg="http://schemas.microsoft.com/office/drawing/2016/SVG/main" r:embed="rId29"/>
+                                <asvg:svgBlip xmlns:asvg="http://schemas.microsoft.com/office/drawing/2016/SVG/main" xmlns="" r:embed="rId29"/>
                               </a:ext>
                             </a:extLst>
                           </a:blip>
@@ -5622,7 +5613,7 @@
                           <p:cNvPr id="28" name="그래픽 28" descr="조사식">
                             <a:extLst>
                               <a:ext uri="{FF2B5EF4-FFF2-40B4-BE49-F238E27FC236}">
-                                <a16:creationId xmlns="" xmlns:a16="http://schemas.microsoft.com/office/drawing/2014/main" id="{FBFBC33B-5BE6-46FC-B829-B35766589E5B}"/>
+                                <a16:creationId xmlns:a16="http://schemas.microsoft.com/office/drawing/2014/main" xmlns="" id="{FBFBC33B-5BE6-46FC-B829-B35766589E5B}"/>
                               </a:ext>
                             </a:extLst>
                           </p:cNvPr>
@@ -5638,7 +5629,7 @@
                                 <a14:useLocalDpi xmlns:a14="http://schemas.microsoft.com/office/drawing/2010/main" val="0"/>
                               </a:ext>
                               <a:ext uri="{96DAC541-7B7A-43D3-8B79-37D633B846F1}">
-                                <asvg:svgBlip xmlns="" xmlns:asvg="http://schemas.microsoft.com/office/drawing/2016/SVG/main" r:embed="rId31"/>
+                                <asvg:svgBlip xmlns:asvg="http://schemas.microsoft.com/office/drawing/2016/SVG/main" xmlns="" r:embed="rId31"/>
                               </a:ext>
                             </a:extLst>
                           </a:blip>
@@ -5662,7 +5653,7 @@
                           <p:cNvPr id="29" name="그래픽 36" descr="벙어리장갑">
                             <a:extLst>
                               <a:ext uri="{FF2B5EF4-FFF2-40B4-BE49-F238E27FC236}">
-                                <a16:creationId xmlns="" xmlns:a16="http://schemas.microsoft.com/office/drawing/2014/main" id="{4DC9CDA5-3D74-4846-85C2-584201AA37F2}"/>
+                                <a16:creationId xmlns:a16="http://schemas.microsoft.com/office/drawing/2014/main" xmlns="" id="{4DC9CDA5-3D74-4846-85C2-584201AA37F2}"/>
                               </a:ext>
                             </a:extLst>
                           </p:cNvPr>
@@ -5678,7 +5669,7 @@
                                 <a14:useLocalDpi xmlns:a14="http://schemas.microsoft.com/office/drawing/2010/main" val="0"/>
                               </a:ext>
                               <a:ext uri="{96DAC541-7B7A-43D3-8B79-37D633B846F1}">
-                                <asvg:svgBlip xmlns="" xmlns:asvg="http://schemas.microsoft.com/office/drawing/2016/SVG/main" r:embed="rId33"/>
+                                <asvg:svgBlip xmlns:asvg="http://schemas.microsoft.com/office/drawing/2016/SVG/main" xmlns="" r:embed="rId33"/>
                               </a:ext>
                             </a:extLst>
                           </a:blip>
@@ -5707,7 +5698,7 @@
                 <p:cNvPr id="17" name="그래픽 40" descr="물음표">
                   <a:extLst>
                     <a:ext uri="{FF2B5EF4-FFF2-40B4-BE49-F238E27FC236}">
-                      <a16:creationId xmlns="" xmlns:a16="http://schemas.microsoft.com/office/drawing/2014/main" id="{6C9EF4DD-18EE-4421-AA56-1772AD5BC54D}"/>
+                      <a16:creationId xmlns:a16="http://schemas.microsoft.com/office/drawing/2014/main" xmlns="" id="{6C9EF4DD-18EE-4421-AA56-1772AD5BC54D}"/>
                     </a:ext>
                   </a:extLst>
                 </p:cNvPr>
@@ -5723,7 +5714,7 @@
                       <a14:useLocalDpi xmlns:a14="http://schemas.microsoft.com/office/drawing/2010/main" val="0"/>
                     </a:ext>
                     <a:ext uri="{96DAC541-7B7A-43D3-8B79-37D633B846F1}">
-                      <asvg:svgBlip xmlns="" xmlns:asvg="http://schemas.microsoft.com/office/drawing/2016/SVG/main" r:embed="rId35"/>
+                      <asvg:svgBlip xmlns:asvg="http://schemas.microsoft.com/office/drawing/2016/SVG/main" xmlns="" r:embed="rId35"/>
                     </a:ext>
                   </a:extLst>
                 </a:blip>
@@ -6284,12 +6275,17 @@
             </a:pPr>
             <a:r>
               <a:rPr lang="ko-KR" altLang="en-US" dirty="0" smtClean="0"/>
-              <a:t>자신의 옷을 직접 찍어 올릴 수 있다</a:t>
+              <a:t>자신의 옷을 직접 찍어 올릴 수 </a:t>
+            </a:r>
+            <a:r>
+              <a:rPr lang="ko-KR" altLang="en-US" dirty="0" smtClean="0"/>
+              <a:t>있다</a:t>
             </a:r>
             <a:r>
               <a:rPr lang="en-US" altLang="ko-KR" dirty="0" smtClean="0"/>
               <a:t>.</a:t>
             </a:r>
+            <a:endParaRPr lang="en-US" altLang="ko-KR" dirty="0" smtClean="0"/>
           </a:p>
           <a:p>
             <a:pPr marL="800100" lvl="1" indent="-342900">
@@ -6298,7 +6294,11 @@
             </a:pPr>
             <a:r>
               <a:rPr lang="ko-KR" altLang="en-US" dirty="0" smtClean="0"/>
-              <a:t>등록 시 함께 올린 메타정보와 함께 관리 가능</a:t>
+              <a:t>등록 시 함께 올린 메타정보와 함께 관리 </a:t>
+            </a:r>
+            <a:r>
+              <a:rPr lang="ko-KR" altLang="en-US" dirty="0" smtClean="0"/>
+              <a:t>가능</a:t>
             </a:r>
             <a:endParaRPr lang="en-US" altLang="ko-KR" dirty="0" smtClean="0"/>
           </a:p>
@@ -6309,12 +6309,17 @@
             </a:pPr>
             <a:r>
               <a:rPr lang="ko-KR" altLang="en-US" dirty="0" smtClean="0"/>
-              <a:t>부위별로 코디 조합을 만들어 볼 수 있다</a:t>
+              <a:t>부위별로 코디 조합을 만들어 볼 수 </a:t>
+            </a:r>
+            <a:r>
+              <a:rPr lang="ko-KR" altLang="en-US" dirty="0" smtClean="0"/>
+              <a:t>있다</a:t>
             </a:r>
             <a:r>
               <a:rPr lang="en-US" altLang="ko-KR" dirty="0" smtClean="0"/>
               <a:t>.</a:t>
             </a:r>
+            <a:endParaRPr lang="en-US" altLang="ko-KR" dirty="0" smtClean="0"/>
           </a:p>
           <a:p>
             <a:pPr marL="800100" lvl="1" indent="-342900">
@@ -6343,7 +6348,11 @@
             </a:r>
             <a:r>
               <a:rPr lang="ko-KR" altLang="en-US" dirty="0" smtClean="0"/>
-              <a:t> 기능</a:t>
+              <a:t> </a:t>
+            </a:r>
+            <a:r>
+              <a:rPr lang="ko-KR" altLang="en-US" dirty="0" smtClean="0"/>
+              <a:t>기능</a:t>
             </a:r>
             <a:endParaRPr lang="en-US" altLang="ko-KR" dirty="0" smtClean="0"/>
           </a:p>
@@ -6367,7 +6376,7 @@
             </a:r>
             <a:r>
               <a:rPr lang="ko-KR" altLang="en-US" dirty="0" err="1" smtClean="0"/>
-              <a:t>스태티스틱</a:t>
+              <a:t>태티스틱</a:t>
             </a:r>
             <a:endParaRPr lang="en-US" altLang="ko-KR" dirty="0" smtClean="0"/>
           </a:p>
@@ -6378,7 +6387,11 @@
             </a:pPr>
             <a:r>
               <a:rPr lang="ko-KR" altLang="en-US" dirty="0" smtClean="0"/>
-              <a:t>자신의 옷 보유 현황 통계</a:t>
+              <a:t>자신의 옷 보유 현황 </a:t>
+            </a:r>
+            <a:r>
+              <a:rPr lang="ko-KR" altLang="en-US" dirty="0" smtClean="0"/>
+              <a:t>통계</a:t>
             </a:r>
             <a:endParaRPr lang="en-US" altLang="ko-KR" dirty="0" smtClean="0"/>
           </a:p>
@@ -6389,7 +6402,11 @@
             </a:pPr>
             <a:r>
               <a:rPr lang="ko-KR" altLang="en-US" dirty="0" smtClean="0"/>
-              <a:t>유저 평균 대비 비교 통계</a:t>
+              <a:t>유저 평균 대비 비교 </a:t>
+            </a:r>
+            <a:r>
+              <a:rPr lang="ko-KR" altLang="en-US" dirty="0" smtClean="0"/>
+              <a:t>통계</a:t>
             </a:r>
             <a:endParaRPr lang="en-US" altLang="ko-KR" dirty="0" smtClean="0"/>
           </a:p>
@@ -6749,7 +6766,7 @@
         </p:blipFill>
         <p:spPr>
           <a:xfrm>
-            <a:off x="6103620" y="3660087"/>
+            <a:off x="6103620" y="3523074"/>
             <a:ext cx="4746625" cy="2847975"/>
           </a:xfrm>
           <a:prstGeom prst="rect">
@@ -6786,6 +6803,85 @@
           </a:ln>
         </p:spPr>
       </p:pic>
+      <p:sp>
+        <p:nvSpPr>
+          <p:cNvPr id="3" name="Rounded Rectangular Callout 2"/>
+          <p:cNvSpPr/>
+          <p:nvPr/>
+        </p:nvSpPr>
+        <p:spPr>
+          <a:xfrm>
+            <a:off x="7874983" y="3062128"/>
+            <a:ext cx="1812380" cy="305741"/>
+          </a:xfrm>
+          <a:prstGeom prst="wedgeRoundRectCallout">
+            <a:avLst>
+              <a:gd name="adj1" fmla="val -21382"/>
+              <a:gd name="adj2" fmla="val -95933"/>
+              <a:gd name="adj3" fmla="val 16667"/>
+            </a:avLst>
+          </a:prstGeom>
+          <a:solidFill>
+            <a:schemeClr val="bg1"/>
+          </a:solidFill>
+          <a:ln>
+            <a:solidFill>
+              <a:schemeClr val="tx1"/>
+            </a:solidFill>
+            <a:prstDash val="dash"/>
+          </a:ln>
+        </p:spPr>
+        <p:style>
+          <a:lnRef idx="2">
+            <a:schemeClr val="accent1">
+              <a:shade val="50000"/>
+            </a:schemeClr>
+          </a:lnRef>
+          <a:fillRef idx="1">
+            <a:schemeClr val="accent1"/>
+          </a:fillRef>
+          <a:effectRef idx="0">
+            <a:schemeClr val="accent1"/>
+          </a:effectRef>
+          <a:fontRef idx="minor">
+            <a:schemeClr val="lt1"/>
+          </a:fontRef>
+        </p:style>
+        <p:txBody>
+          <a:bodyPr rtlCol="0" anchor="ctr"/>
+          <a:lstStyle/>
+          <a:p>
+            <a:pPr algn="ctr"/>
+            <a:r>
+              <a:rPr lang="ko-KR" altLang="en-US" sz="1200" dirty="0" smtClean="0">
+                <a:solidFill>
+                  <a:schemeClr val="bg2">
+                    <a:lumMod val="75000"/>
+                  </a:schemeClr>
+                </a:solidFill>
+              </a:rPr>
+              <a:t>아니 그 패션이었어</a:t>
+            </a:r>
+            <a:r>
+              <a:rPr lang="en-US" altLang="ko-KR" sz="1200" dirty="0" smtClean="0">
+                <a:solidFill>
+                  <a:schemeClr val="bg2">
+                    <a:lumMod val="75000"/>
+                  </a:schemeClr>
+                </a:solidFill>
+              </a:rPr>
+              <a:t>?</a:t>
+            </a:r>
+            <a:endParaRPr lang="ko-KR" altLang="en-US" sz="1200" dirty="0">
+              <a:solidFill>
+                <a:schemeClr val="bg2">
+                  <a:lumMod val="75000"/>
+                </a:schemeClr>
+              </a:solidFill>
+            </a:endParaRPr>
+          </a:p>
+        </p:txBody>
+      </p:sp>
     </p:spTree>
     <p:extLst>
       <p:ext uri="{BB962C8B-B14F-4D97-AF65-F5344CB8AC3E}">
@@ -6847,7 +6943,19 @@
           <a:p>
             <a:r>
               <a:rPr lang="en-US" altLang="ko-KR" sz="3600" dirty="0" smtClean="0"/>
-              <a:t>UI (draft)</a:t>
+              <a:t>UI </a:t>
+            </a:r>
+            <a:r>
+              <a:rPr lang="en-US" altLang="ko-KR" sz="3600" dirty="0" smtClean="0"/>
+              <a:t>Design </a:t>
+            </a:r>
+            <a:r>
+              <a:rPr lang="en-US" altLang="ko-KR" sz="3600" dirty="0" smtClean="0"/>
+              <a:t>(draft</a:t>
+            </a:r>
+            <a:r>
+              <a:rPr lang="en-US" altLang="ko-KR" sz="3600" dirty="0" smtClean="0"/>
+              <a:t>)</a:t>
             </a:r>
           </a:p>
         </p:txBody>
@@ -7066,7 +7174,15 @@
           <a:p>
             <a:r>
               <a:rPr lang="en-US" altLang="ko-KR" sz="3600" dirty="0" smtClean="0"/>
-              <a:t>Database Table schema (Draft)</a:t>
+              <a:t>Database Table schema </a:t>
+            </a:r>
+            <a:r>
+              <a:rPr lang="en-US" altLang="ko-KR" sz="3600" dirty="0" smtClean="0"/>
+              <a:t>(draft</a:t>
+            </a:r>
+            <a:r>
+              <a:rPr lang="en-US" altLang="ko-KR" sz="3600" dirty="0" smtClean="0"/>
+              <a:t>)</a:t>
             </a:r>
           </a:p>
         </p:txBody>
@@ -7365,11 +7481,15 @@
             </a:r>
             <a:r>
               <a:rPr lang="ko-KR" altLang="en-US" dirty="0" err="1" smtClean="0"/>
-              <a:t>스태티스틱</a:t>
+              <a:t>태티스틱</a:t>
             </a:r>
             <a:r>
               <a:rPr lang="ko-KR" altLang="en-US" dirty="0" smtClean="0"/>
-              <a:t> 일부 기능</a:t>
+              <a:t> </a:t>
+            </a:r>
+            <a:r>
+              <a:rPr lang="ko-KR" altLang="en-US" dirty="0" smtClean="0"/>
+              <a:t>일부 기능</a:t>
             </a:r>
             <a:endParaRPr lang="en-US" altLang="ko-KR" dirty="0" smtClean="0"/>
           </a:p>
@@ -7690,7 +7810,43 @@
       </a:bgFillStyleLst>
     </a:fmtScheme>
   </a:themeElements>
-  <a:objectDefaults/>
+  <a:objectDefaults>
+    <a:spDef>
+      <a:spPr>
+        <a:solidFill>
+          <a:schemeClr val="bg1"/>
+        </a:solidFill>
+        <a:ln>
+          <a:solidFill>
+            <a:schemeClr val="tx1"/>
+          </a:solidFill>
+          <a:prstDash val="dash"/>
+        </a:ln>
+      </a:spPr>
+      <a:bodyPr rtlCol="0" anchor="ctr"/>
+      <a:lstStyle>
+        <a:defPPr algn="ctr">
+          <a:defRPr/>
+        </a:defPPr>
+      </a:lstStyle>
+      <a:style>
+        <a:lnRef idx="2">
+          <a:schemeClr val="accent1">
+            <a:shade val="50000"/>
+          </a:schemeClr>
+        </a:lnRef>
+        <a:fillRef idx="1">
+          <a:schemeClr val="accent1"/>
+        </a:fillRef>
+        <a:effectRef idx="0">
+          <a:schemeClr val="accent1"/>
+        </a:effectRef>
+        <a:fontRef idx="minor">
+          <a:schemeClr val="lt1"/>
+        </a:fontRef>
+      </a:style>
+    </a:spDef>
+  </a:objectDefaults>
   <a:extraClrSchemeLst/>
   <a:extLst>
     <a:ext uri="{05A4C25C-085E-4340-85A3-A5531E510DB2}">
